--- a/report/Presentation.pptx
+++ b/report/Presentation.pptx
@@ -3506,6 +3506,13 @@
   <p:clrMapOvr>
     <a:masterClrMapping/>
   </p:clrMapOvr>
+  <p:timing>
+    <p:tnLst>
+      <p:par>
+        <p:cTn xmlns:p14="http://schemas.microsoft.com/office/powerpoint/2010/main" id="1" dur="indefinite" restart="never" nodeType="tmRoot"/>
+      </p:par>
+    </p:tnLst>
+  </p:timing>
 </p:sld>
 </file>
 
@@ -3589,6 +3596,13 @@
   <p:clrMapOvr>
     <a:masterClrMapping/>
   </p:clrMapOvr>
+  <p:timing>
+    <p:tnLst>
+      <p:par>
+        <p:cTn xmlns:p14="http://schemas.microsoft.com/office/powerpoint/2010/main" id="1" dur="indefinite" restart="never" nodeType="tmRoot"/>
+      </p:par>
+    </p:tnLst>
+  </p:timing>
 </p:sld>
 </file>
 
@@ -3672,6 +3686,13 @@
   <p:clrMapOvr>
     <a:masterClrMapping/>
   </p:clrMapOvr>
+  <p:timing>
+    <p:tnLst>
+      <p:par>
+        <p:cTn xmlns:p14="http://schemas.microsoft.com/office/powerpoint/2010/main" id="1" dur="indefinite" restart="never" nodeType="tmRoot"/>
+      </p:par>
+    </p:tnLst>
+  </p:timing>
 </p:sld>
 </file>
 
@@ -3941,6 +3962,13 @@
   <p:clrMapOvr>
     <a:masterClrMapping/>
   </p:clrMapOvr>
+  <p:timing>
+    <p:tnLst>
+      <p:par>
+        <p:cTn xmlns:p14="http://schemas.microsoft.com/office/powerpoint/2010/main" id="1" dur="indefinite" restart="never" nodeType="tmRoot"/>
+      </p:par>
+    </p:tnLst>
+  </p:timing>
 </p:sld>
 </file>
 
@@ -4041,6 +4069,13 @@
   <p:clrMapOvr>
     <a:masterClrMapping/>
   </p:clrMapOvr>
+  <p:timing>
+    <p:tnLst>
+      <p:par>
+        <p:cTn xmlns:p14="http://schemas.microsoft.com/office/powerpoint/2010/main" id="1" dur="indefinite" restart="never" nodeType="tmRoot"/>
+      </p:par>
+    </p:tnLst>
+  </p:timing>
 </p:sld>
 </file>
 
@@ -4153,6 +4188,13 @@
   <p:clrMapOvr>
     <a:masterClrMapping/>
   </p:clrMapOvr>
+  <p:timing>
+    <p:tnLst>
+      <p:par>
+        <p:cTn xmlns:p14="http://schemas.microsoft.com/office/powerpoint/2010/main" id="1" dur="indefinite" restart="never" nodeType="tmRoot"/>
+      </p:par>
+    </p:tnLst>
+  </p:timing>
 </p:sld>
 </file>
 
@@ -4247,6 +4289,13 @@
   <p:clrMapOvr>
     <a:masterClrMapping/>
   </p:clrMapOvr>
+  <p:timing>
+    <p:tnLst>
+      <p:par>
+        <p:cTn xmlns:p14="http://schemas.microsoft.com/office/powerpoint/2010/main" id="1" dur="indefinite" restart="never" nodeType="tmRoot"/>
+      </p:par>
+    </p:tnLst>
+  </p:timing>
 </p:sld>
 </file>
 
@@ -4319,6 +4368,13 @@
   <p:clrMapOvr>
     <a:masterClrMapping/>
   </p:clrMapOvr>
+  <p:timing>
+    <p:tnLst>
+      <p:par>
+        <p:cTn xmlns:p14="http://schemas.microsoft.com/office/powerpoint/2010/main" id="1" dur="indefinite" restart="never" nodeType="tmRoot"/>
+      </p:par>
+    </p:tnLst>
+  </p:timing>
 </p:sld>
 </file>
 
@@ -4891,6 +4947,13 @@
   <p:clrMapOvr>
     <a:masterClrMapping/>
   </p:clrMapOvr>
+  <p:timing>
+    <p:tnLst>
+      <p:par>
+        <p:cTn xmlns:p14="http://schemas.microsoft.com/office/powerpoint/2010/main" id="1" dur="indefinite" restart="never" nodeType="tmRoot"/>
+      </p:par>
+    </p:tnLst>
+  </p:timing>
 </p:sld>
 </file>
 
@@ -4946,7 +5009,9 @@
         </p:nvSpPr>
         <p:spPr/>
         <p:txBody>
-          <a:bodyPr/>
+          <a:bodyPr>
+            <a:normAutofit/>
+          </a:bodyPr>
           <a:lstStyle/>
           <a:p>
             <a:r>
@@ -4978,6 +5043,18 @@
               <a:t>Node notices master drop (master timeout)</a:t>
             </a:r>
             <a:endParaRPr lang="en-US" dirty="0"/>
+          </a:p>
+          <a:p>
+            <a:r>
+              <a:rPr lang="en-US" dirty="0" smtClean="0"/>
+              <a:t>EWMA (RTT)</a:t>
+            </a:r>
+          </a:p>
+          <a:p>
+            <a:r>
+              <a:rPr lang="en-US" dirty="0" smtClean="0"/>
+              <a:t>Sliding window (drop events)</a:t>
+            </a:r>
           </a:p>
         </p:txBody>
       </p:sp>
@@ -5003,7 +5080,9 @@
           </a:ln>
         </p:spPr>
         <p:txBody>
-          <a:bodyPr/>
+          <a:bodyPr>
+            <a:normAutofit/>
+          </a:bodyPr>
           <a:lstStyle/>
           <a:p>
             <a:pPr marL="0" indent="0">
@@ -5090,6 +5169,13 @@
   <p:clrMapOvr>
     <a:masterClrMapping/>
   </p:clrMapOvr>
+  <p:timing>
+    <p:tnLst>
+      <p:par>
+        <p:cTn xmlns:p14="http://schemas.microsoft.com/office/powerpoint/2010/main" id="1" dur="indefinite" restart="never" nodeType="tmRoot"/>
+      </p:par>
+    </p:tnLst>
+  </p:timing>
 </p:sld>
 </file>
 
@@ -5178,7 +5264,7 @@
           <a:graphicData uri="http://schemas.openxmlformats.org/presentationml/2006/ole">
             <mc:AlternateContent xmlns:mc="http://schemas.openxmlformats.org/markup-compatibility/2006">
               <mc:Choice xmlns:v="urn:schemas-microsoft-com:vml" Requires="v">
-                <p:oleObj spid="_x0000_s1039" name="Equation" r:id="rId3" imgW="1219200" imgH="431800" progId="Equation.3">
+                <p:oleObj spid="_x0000_s1041" name="Equation" r:id="rId3" imgW="1219200" imgH="431800" progId="Equation.3">
                   <p:embed/>
                 </p:oleObj>
               </mc:Choice>
@@ -5223,6 +5309,13 @@
   <p:clrMapOvr>
     <a:masterClrMapping/>
   </p:clrMapOvr>
+  <p:timing>
+    <p:tnLst>
+      <p:par>
+        <p:cTn xmlns:p14="http://schemas.microsoft.com/office/powerpoint/2010/main" id="1" dur="indefinite" restart="never" nodeType="tmRoot"/>
+      </p:par>
+    </p:tnLst>
+  </p:timing>
 </p:sld>
 </file>
 

--- a/report/Presentation.pptx
+++ b/report/Presentation.pptx
@@ -3805,7 +3805,7 @@
       </p:sp>
       <p:pic>
         <p:nvPicPr>
-          <p:cNvPr id="5" name="Content Placeholder 3" descr="analysis_off.png"/>
+          <p:cNvPr id="8" name="Content Placeholder 3" descr="analysis_on.png"/>
           <p:cNvPicPr>
             <a:picLocks noChangeAspect="1"/>
           </p:cNvPicPr>
@@ -3819,15 +3819,15 @@
               </a:ext>
             </a:extLst>
           </a:blip>
-          <a:srcRect t="-23328" b="-23328"/>
+          <a:srcRect t="-23898" b="-23898"/>
           <a:stretch>
             <a:fillRect/>
           </a:stretch>
         </p:blipFill>
         <p:spPr>
           <a:xfrm>
-            <a:off x="638175" y="1600200"/>
-            <a:ext cx="4114800" cy="4525963"/>
+            <a:off x="4603750" y="1600200"/>
+            <a:ext cx="4083050" cy="4525963"/>
           </a:xfrm>
           <a:prstGeom prst="rect">
             <a:avLst/>
@@ -3836,7 +3836,7 @@
       </p:pic>
       <p:pic>
         <p:nvPicPr>
-          <p:cNvPr id="7" name="Content Placeholder 6" descr="analysis.png"/>
+          <p:cNvPr id="9" name="Content Placeholder 8" descr="analysis_off.png"/>
           <p:cNvPicPr>
             <a:picLocks noGrp="1" noChangeAspect="1"/>
           </p:cNvPicPr>
@@ -3852,15 +3852,15 @@
               </a:ext>
             </a:extLst>
           </a:blip>
-          <a:srcRect t="-26702" b="-26702"/>
+          <a:srcRect t="-23898" b="-23898"/>
           <a:stretch>
             <a:fillRect/>
           </a:stretch>
         </p:blipFill>
         <p:spPr>
           <a:xfrm>
-            <a:off x="4752974" y="1600200"/>
-            <a:ext cx="3933825" cy="4525963"/>
+            <a:off x="457200" y="1600200"/>
+            <a:ext cx="4083051" cy="4525963"/>
           </a:xfrm>
         </p:spPr>
       </p:pic>
@@ -4680,7 +4680,7 @@
         <p:spPr>
           <a:xfrm>
             <a:off x="3747293" y="2303164"/>
-            <a:ext cx="2779713" cy="923330"/>
+            <a:ext cx="2779713" cy="892552"/>
           </a:xfrm>
           <a:prstGeom prst="rect">
             <a:avLst/>
@@ -4694,13 +4694,19 @@
           <a:lstStyle/>
           <a:p>
             <a:r>
-              <a:rPr lang="en-US" dirty="0" smtClean="0"/>
+              <a:rPr lang="en-US" sz="1600" dirty="0" smtClean="0">
+                <a:latin typeface="Prestige Elite Std Bold"/>
+                <a:cs typeface="Prestige Elite Std Bold"/>
+              </a:rPr>
               <a:t>- Heartbeat frequency </a:t>
             </a:r>
           </a:p>
           <a:p>
             <a:r>
-              <a:rPr lang="en-US" dirty="0" smtClean="0"/>
+              <a:rPr lang="en-US" sz="1600" dirty="0" smtClean="0">
+                <a:latin typeface="Prestige Elite Std Bold"/>
+                <a:cs typeface="Prestige Elite Std Bold"/>
+              </a:rPr>
               <a:t>- master timeout</a:t>
             </a:r>
           </a:p>
@@ -5264,7 +5270,7 @@
           <a:graphicData uri="http://schemas.openxmlformats.org/presentationml/2006/ole">
             <mc:AlternateContent xmlns:mc="http://schemas.openxmlformats.org/markup-compatibility/2006">
               <mc:Choice xmlns:v="urn:schemas-microsoft-com:vml" Requires="v">
-                <p:oleObj spid="_x0000_s1041" name="Equation" r:id="rId3" imgW="1219200" imgH="431800" progId="Equation.3">
+                <p:oleObj spid="_x0000_s1048" name="Equation" r:id="rId3" imgW="1219200" imgH="431800" progId="Equation.3">
                   <p:embed/>
                 </p:oleObj>
               </mc:Choice>
@@ -5371,13 +5377,20 @@
         </p:nvSpPr>
         <p:spPr/>
         <p:txBody>
-          <a:bodyPr/>
+          <a:bodyPr>
+            <a:normAutofit/>
+          </a:bodyPr>
           <a:lstStyle/>
           <a:p>
             <a:r>
               <a:rPr lang="en-US" dirty="0" smtClean="0"/>
-              <a:t>In order to be able to adequately measure:</a:t>
-            </a:r>
+              <a:t>In </a:t>
+            </a:r>
+            <a:r>
+              <a:rPr lang="en-US" dirty="0" smtClean="0"/>
+              <a:t>order to make decisions, we need to measure:</a:t>
+            </a:r>
+            <a:endParaRPr lang="en-US" dirty="0" smtClean="0"/>
           </a:p>
           <a:p>
             <a:pPr lvl="1"/>
@@ -5396,8 +5409,15 @@
           <a:p>
             <a:r>
               <a:rPr lang="en-US" dirty="0" smtClean="0"/>
-              <a:t>Using these, we had to optimize our policy score of goodness using the heartbeat frequency and master timeout parameters</a:t>
-            </a:r>
+              <a:t>RTT + MTBF </a:t>
+            </a:r>
+            <a:r>
+              <a:rPr lang="en-US" dirty="0" smtClean="0">
+                <a:sym typeface="Wingdings"/>
+              </a:rPr>
+              <a:t> Goodness scores  better heartbeat frequency + better master timeout</a:t>
+            </a:r>
+            <a:endParaRPr lang="en-US" dirty="0" smtClean="0"/>
           </a:p>
         </p:txBody>
       </p:sp>
